--- a/Documents/HrdProjPres.pptx
+++ b/Documents/HrdProjPres.pptx
@@ -108,6 +108,11 @@
       </a:defRPr>
     </a:lvl9pPr>
   </p:defaultTextStyle>
+  <p:extLst>
+    <p:ext uri="{EFAFB233-063F-42B5-8137-9DF3F51BA10A}">
+      <p15:sldGuideLst xmlns:p15="http://schemas.microsoft.com/office/powerpoint/2012/main"/>
+    </p:ext>
+  </p:extLst>
 </p:presentation>
 </file>
 
@@ -3122,7 +3127,19 @@
             </a:pPr>
             <a:r>
               <a:rPr lang="en-CA" dirty="0" smtClean="0"/>
-              <a:t>In the hardware section of the project we are focusing on decrypting the radio signal and mimic that to control a drone.</a:t>
+              <a:t>In the hardware section of the project we are focusing on decrypting the radio signal and mimic that to control a drone</a:t>
+            </a:r>
+            <a:r>
+              <a:rPr lang="en-CA" dirty="0" smtClean="0"/>
+              <a:t>. In updated hardware version we are using </a:t>
+            </a:r>
+            <a:r>
+              <a:rPr lang="en-CA" dirty="0" err="1" smtClean="0"/>
+              <a:t>Xbee</a:t>
+            </a:r>
+            <a:r>
+              <a:rPr lang="en-CA" dirty="0" smtClean="0"/>
+              <a:t> RF modules to establish remote communication.</a:t>
             </a:r>
             <a:endParaRPr lang="en-CA" dirty="0"/>
           </a:p>
@@ -3197,13 +3214,13 @@
             <p:ph idx="1"/>
             <p:extLst>
               <p:ext uri="{D42A27DB-BD31-4B8C-83A1-F6EECF244321}">
-                <p14:modId xmlns:p14="http://schemas.microsoft.com/office/powerpoint/2010/main" val="3857178985"/>
+                <p14:modId xmlns:p14="http://schemas.microsoft.com/office/powerpoint/2010/main" val="328628349"/>
               </p:ext>
             </p:extLst>
           </p:nvPr>
         </p:nvGraphicFramePr>
         <p:xfrm>
-          <a:off x="3474719" y="1886563"/>
+          <a:off x="1703069" y="1829413"/>
           <a:ext cx="5749290" cy="4755193"/>
         </p:xfrm>
         <a:graphic>
